--- a/images/dart.pptx
+++ b/images/dart.pptx
@@ -3958,18 +3958,46 @@
         </dgm:presLayoutVars>
       </dgm:prSet>
       <dgm:spPr/>
+      <dgm:t>
+        <a:bodyPr/>
+        <a:lstStyle/>
+        <a:p>
+          <a:endParaRPr lang="en-US"/>
+        </a:p>
+      </dgm:t>
     </dgm:pt>
     <dgm:pt modelId="{265FFF72-33F1-47EF-AF63-B0B7549E545D}" type="pres">
       <dgm:prSet presAssocID="{21D19B0B-0126-4CD7-B9F5-502AECF3320E}" presName="centerShape" presStyleLbl="node0" presStyleIdx="0" presStyleCnt="1"/>
       <dgm:spPr/>
+      <dgm:t>
+        <a:bodyPr/>
+        <a:lstStyle/>
+        <a:p>
+          <a:endParaRPr lang="en-US"/>
+        </a:p>
+      </dgm:t>
     </dgm:pt>
     <dgm:pt modelId="{57867CBA-6F5A-4434-AE04-25FD24E5B19C}" type="pres">
       <dgm:prSet presAssocID="{FE06C56B-BA36-4F49-A53D-D1BE92ABB0BF}" presName="parTrans" presStyleLbl="sibTrans2D1" presStyleIdx="0" presStyleCnt="3"/>
       <dgm:spPr/>
+      <dgm:t>
+        <a:bodyPr/>
+        <a:lstStyle/>
+        <a:p>
+          <a:endParaRPr lang="en-US"/>
+        </a:p>
+      </dgm:t>
     </dgm:pt>
     <dgm:pt modelId="{952DDB63-FB36-4921-9064-C9556E4CADD7}" type="pres">
       <dgm:prSet presAssocID="{FE06C56B-BA36-4F49-A53D-D1BE92ABB0BF}" presName="connectorText" presStyleLbl="sibTrans2D1" presStyleIdx="0" presStyleCnt="3"/>
       <dgm:spPr/>
+      <dgm:t>
+        <a:bodyPr/>
+        <a:lstStyle/>
+        <a:p>
+          <a:endParaRPr lang="en-US"/>
+        </a:p>
+      </dgm:t>
     </dgm:pt>
     <dgm:pt modelId="{11EB4777-5F12-4B99-90A5-A7A1FAF652D0}" type="pres">
       <dgm:prSet presAssocID="{56E59F54-8040-49E2-BFE8-D30988933C88}" presName="node" presStyleLbl="node1" presStyleIdx="0" presStyleCnt="3">
@@ -3978,14 +4006,35 @@
         </dgm:presLayoutVars>
       </dgm:prSet>
       <dgm:spPr/>
+      <dgm:t>
+        <a:bodyPr/>
+        <a:lstStyle/>
+        <a:p>
+          <a:endParaRPr lang="en-US"/>
+        </a:p>
+      </dgm:t>
     </dgm:pt>
     <dgm:pt modelId="{4F4A9176-046F-461C-8DDC-AA1E64FC724D}" type="pres">
       <dgm:prSet presAssocID="{58A1D6FC-905C-418B-81B9-FC4FB7D170D9}" presName="parTrans" presStyleLbl="sibTrans2D1" presStyleIdx="1" presStyleCnt="3"/>
       <dgm:spPr/>
+      <dgm:t>
+        <a:bodyPr/>
+        <a:lstStyle/>
+        <a:p>
+          <a:endParaRPr lang="en-US"/>
+        </a:p>
+      </dgm:t>
     </dgm:pt>
     <dgm:pt modelId="{64834F6C-0F07-4EFB-B09A-1551A7FB1AE0}" type="pres">
       <dgm:prSet presAssocID="{58A1D6FC-905C-418B-81B9-FC4FB7D170D9}" presName="connectorText" presStyleLbl="sibTrans2D1" presStyleIdx="1" presStyleCnt="3"/>
       <dgm:spPr/>
+      <dgm:t>
+        <a:bodyPr/>
+        <a:lstStyle/>
+        <a:p>
+          <a:endParaRPr lang="en-US"/>
+        </a:p>
+      </dgm:t>
     </dgm:pt>
     <dgm:pt modelId="{18F148E3-E6E8-4E25-A750-009EAB7AC72F}" type="pres">
       <dgm:prSet presAssocID="{F8F16418-DE4D-47E9-8047-BA3DF2ACF20D}" presName="node" presStyleLbl="node1" presStyleIdx="1" presStyleCnt="3">
@@ -3994,14 +4043,35 @@
         </dgm:presLayoutVars>
       </dgm:prSet>
       <dgm:spPr/>
+      <dgm:t>
+        <a:bodyPr/>
+        <a:lstStyle/>
+        <a:p>
+          <a:endParaRPr lang="en-US"/>
+        </a:p>
+      </dgm:t>
     </dgm:pt>
     <dgm:pt modelId="{F024C258-DEE7-4089-AF9D-CB1FE10C30CC}" type="pres">
       <dgm:prSet presAssocID="{C941DB46-A1B0-41DA-90D1-A1C12A596787}" presName="parTrans" presStyleLbl="sibTrans2D1" presStyleIdx="2" presStyleCnt="3"/>
       <dgm:spPr/>
+      <dgm:t>
+        <a:bodyPr/>
+        <a:lstStyle/>
+        <a:p>
+          <a:endParaRPr lang="en-US"/>
+        </a:p>
+      </dgm:t>
     </dgm:pt>
     <dgm:pt modelId="{59480100-EE87-4E15-A8DB-4B31F321C21A}" type="pres">
       <dgm:prSet presAssocID="{C941DB46-A1B0-41DA-90D1-A1C12A596787}" presName="connectorText" presStyleLbl="sibTrans2D1" presStyleIdx="2" presStyleCnt="3"/>
       <dgm:spPr/>
+      <dgm:t>
+        <a:bodyPr/>
+        <a:lstStyle/>
+        <a:p>
+          <a:endParaRPr lang="en-US"/>
+        </a:p>
+      </dgm:t>
     </dgm:pt>
     <dgm:pt modelId="{2349F968-6193-4C42-B515-8A35D1FCE708}" type="pres">
       <dgm:prSet presAssocID="{17042AB6-8EAB-425A-A337-072FF2000D41}" presName="node" presStyleLbl="node1" presStyleIdx="2" presStyleCnt="3">
@@ -4010,24 +4080,31 @@
         </dgm:presLayoutVars>
       </dgm:prSet>
       <dgm:spPr/>
+      <dgm:t>
+        <a:bodyPr/>
+        <a:lstStyle/>
+        <a:p>
+          <a:endParaRPr lang="en-US"/>
+        </a:p>
+      </dgm:t>
     </dgm:pt>
   </dgm:ptLst>
   <dgm:cxnLst>
+    <dgm:cxn modelId="{68270987-00CE-4161-8653-7FD762C7D1CE}" type="presOf" srcId="{58A1D6FC-905C-418B-81B9-FC4FB7D170D9}" destId="{4F4A9176-046F-461C-8DDC-AA1E64FC724D}" srcOrd="0" destOrd="0" presId="urn:microsoft.com/office/officeart/2005/8/layout/radial5"/>
     <dgm:cxn modelId="{57CD7E2E-33EA-4C94-90DC-D85651CA8C3F}" type="presOf" srcId="{21D19B0B-0126-4CD7-B9F5-502AECF3320E}" destId="{265FFF72-33F1-47EF-AF63-B0B7549E545D}" srcOrd="0" destOrd="0" presId="urn:microsoft.com/office/officeart/2005/8/layout/radial5"/>
-    <dgm:cxn modelId="{68270987-00CE-4161-8653-7FD762C7D1CE}" type="presOf" srcId="{58A1D6FC-905C-418B-81B9-FC4FB7D170D9}" destId="{4F4A9176-046F-461C-8DDC-AA1E64FC724D}" srcOrd="0" destOrd="0" presId="urn:microsoft.com/office/officeart/2005/8/layout/radial5"/>
+    <dgm:cxn modelId="{2862617F-60DC-4BB5-ACFE-4979226CF174}" srcId="{21D19B0B-0126-4CD7-B9F5-502AECF3320E}" destId="{56E59F54-8040-49E2-BFE8-D30988933C88}" srcOrd="0" destOrd="0" parTransId="{FE06C56B-BA36-4F49-A53D-D1BE92ABB0BF}" sibTransId="{18978809-E68D-451F-83DB-C02CF7FCEFCE}"/>
+    <dgm:cxn modelId="{B4A5CACA-E831-4D85-8771-8F5E2A4A007A}" type="presOf" srcId="{58A1D6FC-905C-418B-81B9-FC4FB7D170D9}" destId="{64834F6C-0F07-4EFB-B09A-1551A7FB1AE0}" srcOrd="1" destOrd="0" presId="urn:microsoft.com/office/officeart/2005/8/layout/radial5"/>
+    <dgm:cxn modelId="{7236D2DC-E0E7-4247-8A93-224C01CB9C14}" type="presOf" srcId="{C941DB46-A1B0-41DA-90D1-A1C12A596787}" destId="{59480100-EE87-4E15-A8DB-4B31F321C21A}" srcOrd="1" destOrd="0" presId="urn:microsoft.com/office/officeart/2005/8/layout/radial5"/>
+    <dgm:cxn modelId="{D63F415E-66FF-4220-876D-1CDFF402946F}" type="presOf" srcId="{56E59F54-8040-49E2-BFE8-D30988933C88}" destId="{11EB4777-5F12-4B99-90A5-A7A1FAF652D0}" srcOrd="0" destOrd="0" presId="urn:microsoft.com/office/officeart/2005/8/layout/radial5"/>
+    <dgm:cxn modelId="{651D5AED-885F-440D-BC88-EE0AE20A2098}" type="presOf" srcId="{17042AB6-8EAB-425A-A337-072FF2000D41}" destId="{2349F968-6193-4C42-B515-8A35D1FCE708}" srcOrd="0" destOrd="0" presId="urn:microsoft.com/office/officeart/2005/8/layout/radial5"/>
+    <dgm:cxn modelId="{4F30EC71-C3EF-4848-85CC-90CDA6E585A5}" type="presOf" srcId="{F8F16418-DE4D-47E9-8047-BA3DF2ACF20D}" destId="{18F148E3-E6E8-4E25-A750-009EAB7AC72F}" srcOrd="0" destOrd="0" presId="urn:microsoft.com/office/officeart/2005/8/layout/radial5"/>
+    <dgm:cxn modelId="{D80CA6E0-4EB1-4582-92F1-B218FF29802B}" srcId="{D3AE36ED-CE4B-4C9D-AD58-BA88E7D3A7A3}" destId="{21D19B0B-0126-4CD7-B9F5-502AECF3320E}" srcOrd="0" destOrd="0" parTransId="{76DE47D0-8778-4523-A5CA-A8BE5772607B}" sibTransId="{CBBF94E3-4AD9-4A73-80D1-34095E40A4B8}"/>
+    <dgm:cxn modelId="{8A81AD8A-209B-45C7-8DBA-774325F7C4CD}" type="presOf" srcId="{D3AE36ED-CE4B-4C9D-AD58-BA88E7D3A7A3}" destId="{E9CE7361-6214-4C75-AD72-EA6DB533BE2E}" srcOrd="0" destOrd="0" presId="urn:microsoft.com/office/officeart/2005/8/layout/radial5"/>
+    <dgm:cxn modelId="{A634F757-ACCB-49E8-AE27-28CC4F8425FC}" srcId="{21D19B0B-0126-4CD7-B9F5-502AECF3320E}" destId="{17042AB6-8EAB-425A-A337-072FF2000D41}" srcOrd="2" destOrd="0" parTransId="{C941DB46-A1B0-41DA-90D1-A1C12A596787}" sibTransId="{6F9A0B20-088B-4743-B9D6-F1B1339F2E2C}"/>
     <dgm:cxn modelId="{A4C1AA2B-5EE1-49E7-ACF3-C6D3AF9F6824}" type="presOf" srcId="{C941DB46-A1B0-41DA-90D1-A1C12A596787}" destId="{F024C258-DEE7-4089-AF9D-CB1FE10C30CC}" srcOrd="0" destOrd="0" presId="urn:microsoft.com/office/officeart/2005/8/layout/radial5"/>
-    <dgm:cxn modelId="{8A81AD8A-209B-45C7-8DBA-774325F7C4CD}" type="presOf" srcId="{D3AE36ED-CE4B-4C9D-AD58-BA88E7D3A7A3}" destId="{E9CE7361-6214-4C75-AD72-EA6DB533BE2E}" srcOrd="0" destOrd="0" presId="urn:microsoft.com/office/officeart/2005/8/layout/radial5"/>
-    <dgm:cxn modelId="{651D5AED-885F-440D-BC88-EE0AE20A2098}" type="presOf" srcId="{17042AB6-8EAB-425A-A337-072FF2000D41}" destId="{2349F968-6193-4C42-B515-8A35D1FCE708}" srcOrd="0" destOrd="0" presId="urn:microsoft.com/office/officeart/2005/8/layout/radial5"/>
+    <dgm:cxn modelId="{F219BDDB-6F8C-42A6-9237-70D2298C79FA}" type="presOf" srcId="{FE06C56B-BA36-4F49-A53D-D1BE92ABB0BF}" destId="{57867CBA-6F5A-4434-AE04-25FD24E5B19C}" srcOrd="0" destOrd="0" presId="urn:microsoft.com/office/officeart/2005/8/layout/radial5"/>
+    <dgm:cxn modelId="{61D50CC4-3A12-478F-AFE1-17826021497B}" srcId="{21D19B0B-0126-4CD7-B9F5-502AECF3320E}" destId="{F8F16418-DE4D-47E9-8047-BA3DF2ACF20D}" srcOrd="1" destOrd="0" parTransId="{58A1D6FC-905C-418B-81B9-FC4FB7D170D9}" sibTransId="{E2B3847F-180C-4593-8B9D-01A284F917C4}"/>
     <dgm:cxn modelId="{5B27E017-6E60-4B6C-A1A4-5EB0714A05BA}" type="presOf" srcId="{FE06C56B-BA36-4F49-A53D-D1BE92ABB0BF}" destId="{952DDB63-FB36-4921-9064-C9556E4CADD7}" srcOrd="1" destOrd="0" presId="urn:microsoft.com/office/officeart/2005/8/layout/radial5"/>
-    <dgm:cxn modelId="{D80CA6E0-4EB1-4582-92F1-B218FF29802B}" srcId="{D3AE36ED-CE4B-4C9D-AD58-BA88E7D3A7A3}" destId="{21D19B0B-0126-4CD7-B9F5-502AECF3320E}" srcOrd="0" destOrd="0" parTransId="{76DE47D0-8778-4523-A5CA-A8BE5772607B}" sibTransId="{CBBF94E3-4AD9-4A73-80D1-34095E40A4B8}"/>
-    <dgm:cxn modelId="{2862617F-60DC-4BB5-ACFE-4979226CF174}" srcId="{21D19B0B-0126-4CD7-B9F5-502AECF3320E}" destId="{56E59F54-8040-49E2-BFE8-D30988933C88}" srcOrd="0" destOrd="0" parTransId="{FE06C56B-BA36-4F49-A53D-D1BE92ABB0BF}" sibTransId="{18978809-E68D-451F-83DB-C02CF7FCEFCE}"/>
-    <dgm:cxn modelId="{D63F415E-66FF-4220-876D-1CDFF402946F}" type="presOf" srcId="{56E59F54-8040-49E2-BFE8-D30988933C88}" destId="{11EB4777-5F12-4B99-90A5-A7A1FAF652D0}" srcOrd="0" destOrd="0" presId="urn:microsoft.com/office/officeart/2005/8/layout/radial5"/>
-    <dgm:cxn modelId="{F219BDDB-6F8C-42A6-9237-70D2298C79FA}" type="presOf" srcId="{FE06C56B-BA36-4F49-A53D-D1BE92ABB0BF}" destId="{57867CBA-6F5A-4434-AE04-25FD24E5B19C}" srcOrd="0" destOrd="0" presId="urn:microsoft.com/office/officeart/2005/8/layout/radial5"/>
-    <dgm:cxn modelId="{4F30EC71-C3EF-4848-85CC-90CDA6E585A5}" type="presOf" srcId="{F8F16418-DE4D-47E9-8047-BA3DF2ACF20D}" destId="{18F148E3-E6E8-4E25-A750-009EAB7AC72F}" srcOrd="0" destOrd="0" presId="urn:microsoft.com/office/officeart/2005/8/layout/radial5"/>
-    <dgm:cxn modelId="{B4A5CACA-E831-4D85-8771-8F5E2A4A007A}" type="presOf" srcId="{58A1D6FC-905C-418B-81B9-FC4FB7D170D9}" destId="{64834F6C-0F07-4EFB-B09A-1551A7FB1AE0}" srcOrd="1" destOrd="0" presId="urn:microsoft.com/office/officeart/2005/8/layout/radial5"/>
-    <dgm:cxn modelId="{A634F757-ACCB-49E8-AE27-28CC4F8425FC}" srcId="{21D19B0B-0126-4CD7-B9F5-502AECF3320E}" destId="{17042AB6-8EAB-425A-A337-072FF2000D41}" srcOrd="2" destOrd="0" parTransId="{C941DB46-A1B0-41DA-90D1-A1C12A596787}" sibTransId="{6F9A0B20-088B-4743-B9D6-F1B1339F2E2C}"/>
-    <dgm:cxn modelId="{61D50CC4-3A12-478F-AFE1-17826021497B}" srcId="{21D19B0B-0126-4CD7-B9F5-502AECF3320E}" destId="{F8F16418-DE4D-47E9-8047-BA3DF2ACF20D}" srcOrd="1" destOrd="0" parTransId="{58A1D6FC-905C-418B-81B9-FC4FB7D170D9}" sibTransId="{E2B3847F-180C-4593-8B9D-01A284F917C4}"/>
-    <dgm:cxn modelId="{7236D2DC-E0E7-4247-8A93-224C01CB9C14}" type="presOf" srcId="{C941DB46-A1B0-41DA-90D1-A1C12A596787}" destId="{59480100-EE87-4E15-A8DB-4B31F321C21A}" srcOrd="1" destOrd="0" presId="urn:microsoft.com/office/officeart/2005/8/layout/radial5"/>
     <dgm:cxn modelId="{FB4D01CB-1C6A-4AE0-A79B-CE68F4404910}" type="presParOf" srcId="{E9CE7361-6214-4C75-AD72-EA6DB533BE2E}" destId="{265FFF72-33F1-47EF-AF63-B0B7549E545D}" srcOrd="0" destOrd="0" presId="urn:microsoft.com/office/officeart/2005/8/layout/radial5"/>
     <dgm:cxn modelId="{5A1F5E3B-39D9-4750-A39F-0D781B98B5EF}" type="presParOf" srcId="{E9CE7361-6214-4C75-AD72-EA6DB533BE2E}" destId="{57867CBA-6F5A-4434-AE04-25FD24E5B19C}" srcOrd="1" destOrd="0" presId="urn:microsoft.com/office/officeart/2005/8/layout/radial5"/>
     <dgm:cxn modelId="{5E16D220-A7EE-463A-B8C0-C9FCFBAAE039}" type="presParOf" srcId="{57867CBA-6F5A-4434-AE04-25FD24E5B19C}" destId="{952DDB63-FB36-4921-9064-C9556E4CADD7}" srcOrd="0" destOrd="0" presId="urn:microsoft.com/office/officeart/2005/8/layout/radial5"/>
@@ -4043,7 +4120,7 @@
   <dgm:whole/>
   <dgm:extLst>
     <a:ext uri="http://schemas.microsoft.com/office/drawing/2008/diagram">
-      <dsp:dataModelExt xmlns:dsp="http://schemas.microsoft.com/office/drawing/2008/diagram" relId="rId9" minVer="http://schemas.openxmlformats.org/drawingml/2006/diagram"/>
+      <dsp:dataModelExt xmlns:dsp="http://schemas.microsoft.com/office/drawing/2008/diagram" relId="rId8" minVer="http://schemas.openxmlformats.org/drawingml/2006/diagram"/>
     </a:ext>
   </dgm:extLst>
 </dgm:dataModel>
@@ -4182,6 +4259,13 @@
         </dgm:presLayoutVars>
       </dgm:prSet>
       <dgm:spPr/>
+      <dgm:t>
+        <a:bodyPr/>
+        <a:lstStyle/>
+        <a:p>
+          <a:endParaRPr lang="en-US"/>
+        </a:p>
+      </dgm:t>
     </dgm:pt>
     <dgm:pt modelId="{8EF445EB-486C-498F-AF67-E759E288DE01}" type="pres">
       <dgm:prSet presAssocID="{81928651-F198-45F8-8376-D9E284EFF712}" presName="node" presStyleLbl="node1" presStyleIdx="0" presStyleCnt="3">
@@ -4190,14 +4274,35 @@
         </dgm:presLayoutVars>
       </dgm:prSet>
       <dgm:spPr/>
+      <dgm:t>
+        <a:bodyPr/>
+        <a:lstStyle/>
+        <a:p>
+          <a:endParaRPr lang="en-US"/>
+        </a:p>
+      </dgm:t>
     </dgm:pt>
     <dgm:pt modelId="{83E3A70B-1CD2-4983-81A2-89BF59650A56}" type="pres">
       <dgm:prSet presAssocID="{3E436A5C-0BD6-4FB6-B649-D82F6AB25611}" presName="sibTrans" presStyleLbl="sibTrans2D1" presStyleIdx="0" presStyleCnt="3"/>
       <dgm:spPr/>
+      <dgm:t>
+        <a:bodyPr/>
+        <a:lstStyle/>
+        <a:p>
+          <a:endParaRPr lang="en-US"/>
+        </a:p>
+      </dgm:t>
     </dgm:pt>
     <dgm:pt modelId="{46D2BD83-83F4-4744-87B4-11C8F7FC2234}" type="pres">
       <dgm:prSet presAssocID="{3E436A5C-0BD6-4FB6-B649-D82F6AB25611}" presName="connectorText" presStyleLbl="sibTrans2D1" presStyleIdx="0" presStyleCnt="3"/>
       <dgm:spPr/>
+      <dgm:t>
+        <a:bodyPr/>
+        <a:lstStyle/>
+        <a:p>
+          <a:endParaRPr lang="en-US"/>
+        </a:p>
+      </dgm:t>
     </dgm:pt>
     <dgm:pt modelId="{C7856635-EF94-4BEF-B141-6E899B7C9721}" type="pres">
       <dgm:prSet presAssocID="{D54FEBD4-5CE3-466C-B2B8-7A7141FAA0FF}" presName="node" presStyleLbl="node1" presStyleIdx="1" presStyleCnt="3">
@@ -4206,14 +4311,35 @@
         </dgm:presLayoutVars>
       </dgm:prSet>
       <dgm:spPr/>
+      <dgm:t>
+        <a:bodyPr/>
+        <a:lstStyle/>
+        <a:p>
+          <a:endParaRPr lang="en-US"/>
+        </a:p>
+      </dgm:t>
     </dgm:pt>
     <dgm:pt modelId="{AF1B7CD5-74E8-48BA-AA22-07340DB42053}" type="pres">
       <dgm:prSet presAssocID="{50D45CA6-E808-420D-8915-298FE61A9182}" presName="sibTrans" presStyleLbl="sibTrans2D1" presStyleIdx="1" presStyleCnt="3"/>
       <dgm:spPr/>
+      <dgm:t>
+        <a:bodyPr/>
+        <a:lstStyle/>
+        <a:p>
+          <a:endParaRPr lang="en-US"/>
+        </a:p>
+      </dgm:t>
     </dgm:pt>
     <dgm:pt modelId="{E302C49C-68ED-4480-A4C0-FA97B69FF465}" type="pres">
       <dgm:prSet presAssocID="{50D45CA6-E808-420D-8915-298FE61A9182}" presName="connectorText" presStyleLbl="sibTrans2D1" presStyleIdx="1" presStyleCnt="3"/>
       <dgm:spPr/>
+      <dgm:t>
+        <a:bodyPr/>
+        <a:lstStyle/>
+        <a:p>
+          <a:endParaRPr lang="en-US"/>
+        </a:p>
+      </dgm:t>
     </dgm:pt>
     <dgm:pt modelId="{6B5AFAC1-1DEB-4381-B635-C74EBD4D524A}" type="pres">
       <dgm:prSet presAssocID="{BF6701D2-55B2-4B63-A35B-EEC27E34422E}" presName="node" presStyleLbl="node1" presStyleIdx="2" presStyleCnt="3">
@@ -4222,14 +4348,35 @@
         </dgm:presLayoutVars>
       </dgm:prSet>
       <dgm:spPr/>
+      <dgm:t>
+        <a:bodyPr/>
+        <a:lstStyle/>
+        <a:p>
+          <a:endParaRPr lang="en-US"/>
+        </a:p>
+      </dgm:t>
     </dgm:pt>
     <dgm:pt modelId="{2971B703-B64D-46CD-865E-E58021FBB74D}" type="pres">
       <dgm:prSet presAssocID="{2FD492C9-BC4D-4497-B2E9-00F8DEC102A0}" presName="sibTrans" presStyleLbl="sibTrans2D1" presStyleIdx="2" presStyleCnt="3"/>
       <dgm:spPr/>
+      <dgm:t>
+        <a:bodyPr/>
+        <a:lstStyle/>
+        <a:p>
+          <a:endParaRPr lang="en-US"/>
+        </a:p>
+      </dgm:t>
     </dgm:pt>
     <dgm:pt modelId="{D4733269-FD6F-4984-9F85-556F2ADCF12F}" type="pres">
       <dgm:prSet presAssocID="{2FD492C9-BC4D-4497-B2E9-00F8DEC102A0}" presName="connectorText" presStyleLbl="sibTrans2D1" presStyleIdx="2" presStyleCnt="3"/>
       <dgm:spPr/>
+      <dgm:t>
+        <a:bodyPr/>
+        <a:lstStyle/>
+        <a:p>
+          <a:endParaRPr lang="en-US"/>
+        </a:p>
+      </dgm:t>
     </dgm:pt>
   </dgm:ptLst>
   <dgm:cxnLst>
@@ -4260,7 +4407,7 @@
   <dgm:whole/>
   <dgm:extLst>
     <a:ext uri="http://schemas.microsoft.com/office/drawing/2008/diagram">
-      <dsp:dataModelExt xmlns:dsp="http://schemas.microsoft.com/office/drawing/2008/diagram" relId="rId14" minVer="http://schemas.openxmlformats.org/drawingml/2006/diagram"/>
+      <dsp:dataModelExt xmlns:dsp="http://schemas.microsoft.com/office/drawing/2008/diagram" relId="rId13" minVer="http://schemas.openxmlformats.org/drawingml/2006/diagram"/>
     </a:ext>
   </dgm:extLst>
 </dgm:dataModel>
@@ -4362,6 +4509,13 @@
         </dgm:presLayoutVars>
       </dgm:prSet>
       <dgm:spPr/>
+      <dgm:t>
+        <a:bodyPr/>
+        <a:lstStyle/>
+        <a:p>
+          <a:endParaRPr lang="en-US"/>
+        </a:p>
+      </dgm:t>
     </dgm:pt>
     <dgm:pt modelId="{8EF445EB-486C-498F-AF67-E759E288DE01}" type="pres">
       <dgm:prSet presAssocID="{81928651-F198-45F8-8376-D9E284EFF712}" presName="node" presStyleLbl="node1" presStyleIdx="0" presStyleCnt="2">
@@ -4370,14 +4524,35 @@
         </dgm:presLayoutVars>
       </dgm:prSet>
       <dgm:spPr/>
+      <dgm:t>
+        <a:bodyPr/>
+        <a:lstStyle/>
+        <a:p>
+          <a:endParaRPr lang="en-US"/>
+        </a:p>
+      </dgm:t>
     </dgm:pt>
     <dgm:pt modelId="{83E3A70B-1CD2-4983-81A2-89BF59650A56}" type="pres">
       <dgm:prSet presAssocID="{3E436A5C-0BD6-4FB6-B649-D82F6AB25611}" presName="sibTrans" presStyleLbl="sibTrans2D1" presStyleIdx="0" presStyleCnt="2"/>
       <dgm:spPr/>
+      <dgm:t>
+        <a:bodyPr/>
+        <a:lstStyle/>
+        <a:p>
+          <a:endParaRPr lang="en-US"/>
+        </a:p>
+      </dgm:t>
     </dgm:pt>
     <dgm:pt modelId="{46D2BD83-83F4-4744-87B4-11C8F7FC2234}" type="pres">
       <dgm:prSet presAssocID="{3E436A5C-0BD6-4FB6-B649-D82F6AB25611}" presName="connectorText" presStyleLbl="sibTrans2D1" presStyleIdx="0" presStyleCnt="2"/>
       <dgm:spPr/>
+      <dgm:t>
+        <a:bodyPr/>
+        <a:lstStyle/>
+        <a:p>
+          <a:endParaRPr lang="en-US"/>
+        </a:p>
+      </dgm:t>
     </dgm:pt>
     <dgm:pt modelId="{C7856635-EF94-4BEF-B141-6E899B7C9721}" type="pres">
       <dgm:prSet presAssocID="{D54FEBD4-5CE3-466C-B2B8-7A7141FAA0FF}" presName="node" presStyleLbl="node1" presStyleIdx="1" presStyleCnt="2">
@@ -4386,26 +4561,47 @@
         </dgm:presLayoutVars>
       </dgm:prSet>
       <dgm:spPr/>
+      <dgm:t>
+        <a:bodyPr/>
+        <a:lstStyle/>
+        <a:p>
+          <a:endParaRPr lang="en-US"/>
+        </a:p>
+      </dgm:t>
     </dgm:pt>
     <dgm:pt modelId="{AF1B7CD5-74E8-48BA-AA22-07340DB42053}" type="pres">
       <dgm:prSet presAssocID="{50D45CA6-E808-420D-8915-298FE61A9182}" presName="sibTrans" presStyleLbl="sibTrans2D1" presStyleIdx="1" presStyleCnt="2"/>
       <dgm:spPr/>
+      <dgm:t>
+        <a:bodyPr/>
+        <a:lstStyle/>
+        <a:p>
+          <a:endParaRPr lang="en-US"/>
+        </a:p>
+      </dgm:t>
     </dgm:pt>
     <dgm:pt modelId="{E302C49C-68ED-4480-A4C0-FA97B69FF465}" type="pres">
       <dgm:prSet presAssocID="{50D45CA6-E808-420D-8915-298FE61A9182}" presName="connectorText" presStyleLbl="sibTrans2D1" presStyleIdx="1" presStyleCnt="2"/>
       <dgm:spPr/>
+      <dgm:t>
+        <a:bodyPr/>
+        <a:lstStyle/>
+        <a:p>
+          <a:endParaRPr lang="en-US"/>
+        </a:p>
+      </dgm:t>
     </dgm:pt>
   </dgm:ptLst>
   <dgm:cxnLst>
-    <dgm:cxn modelId="{5B378634-9202-4F57-B09F-F83C5B3C3947}" srcId="{AD22F685-D06B-45DC-BDC5-398F752D1098}" destId="{D54FEBD4-5CE3-466C-B2B8-7A7141FAA0FF}" srcOrd="1" destOrd="0" parTransId="{941E1AAC-0709-4822-8F41-240FE439924C}" sibTransId="{50D45CA6-E808-420D-8915-298FE61A9182}"/>
-    <dgm:cxn modelId="{309D0B87-8FC9-4CA7-A1B5-00AA2F0B9D90}" type="presOf" srcId="{50D45CA6-E808-420D-8915-298FE61A9182}" destId="{E302C49C-68ED-4480-A4C0-FA97B69FF465}" srcOrd="1" destOrd="0" presId="urn:microsoft.com/office/officeart/2005/8/layout/cycle2"/>
+    <dgm:cxn modelId="{7F8F312F-21CD-447B-9E06-0DFE8046566C}" type="presOf" srcId="{3E436A5C-0BD6-4FB6-B649-D82F6AB25611}" destId="{83E3A70B-1CD2-4983-81A2-89BF59650A56}" srcOrd="0" destOrd="0" presId="urn:microsoft.com/office/officeart/2005/8/layout/cycle2"/>
+    <dgm:cxn modelId="{1EB21BDC-55E5-4702-BF21-A5C400E54B4C}" type="presOf" srcId="{AD22F685-D06B-45DC-BDC5-398F752D1098}" destId="{0D378C6C-2846-4ECF-AC55-A84DAB3A909C}" srcOrd="0" destOrd="0" presId="urn:microsoft.com/office/officeart/2005/8/layout/cycle2"/>
     <dgm:cxn modelId="{57CDFD59-5574-4BD4-A5A8-845542E581A6}" type="presOf" srcId="{50D45CA6-E808-420D-8915-298FE61A9182}" destId="{AF1B7CD5-74E8-48BA-AA22-07340DB42053}" srcOrd="0" destOrd="0" presId="urn:microsoft.com/office/officeart/2005/8/layout/cycle2"/>
     <dgm:cxn modelId="{48AFAE6A-555C-40DB-B8A2-F934046337A0}" type="presOf" srcId="{81928651-F198-45F8-8376-D9E284EFF712}" destId="{8EF445EB-486C-498F-AF67-E759E288DE01}" srcOrd="0" destOrd="0" presId="urn:microsoft.com/office/officeart/2005/8/layout/cycle2"/>
+    <dgm:cxn modelId="{309D0B87-8FC9-4CA7-A1B5-00AA2F0B9D90}" type="presOf" srcId="{50D45CA6-E808-420D-8915-298FE61A9182}" destId="{E302C49C-68ED-4480-A4C0-FA97B69FF465}" srcOrd="1" destOrd="0" presId="urn:microsoft.com/office/officeart/2005/8/layout/cycle2"/>
+    <dgm:cxn modelId="{2B5EA48F-49D8-4F76-BF27-FA2718081C3E}" type="presOf" srcId="{D54FEBD4-5CE3-466C-B2B8-7A7141FAA0FF}" destId="{C7856635-EF94-4BEF-B141-6E899B7C9721}" srcOrd="0" destOrd="0" presId="urn:microsoft.com/office/officeart/2005/8/layout/cycle2"/>
     <dgm:cxn modelId="{4D7C6042-8972-4E71-B159-FD1CA416DC0B}" srcId="{AD22F685-D06B-45DC-BDC5-398F752D1098}" destId="{81928651-F198-45F8-8376-D9E284EFF712}" srcOrd="0" destOrd="0" parTransId="{CADA0BF4-7D86-48C5-BB2E-66411BCDC41F}" sibTransId="{3E436A5C-0BD6-4FB6-B649-D82F6AB25611}"/>
     <dgm:cxn modelId="{853B697D-3636-4E27-A209-91AD5F697415}" type="presOf" srcId="{3E436A5C-0BD6-4FB6-B649-D82F6AB25611}" destId="{46D2BD83-83F4-4744-87B4-11C8F7FC2234}" srcOrd="1" destOrd="0" presId="urn:microsoft.com/office/officeart/2005/8/layout/cycle2"/>
-    <dgm:cxn modelId="{7F8F312F-21CD-447B-9E06-0DFE8046566C}" type="presOf" srcId="{3E436A5C-0BD6-4FB6-B649-D82F6AB25611}" destId="{83E3A70B-1CD2-4983-81A2-89BF59650A56}" srcOrd="0" destOrd="0" presId="urn:microsoft.com/office/officeart/2005/8/layout/cycle2"/>
-    <dgm:cxn modelId="{2B5EA48F-49D8-4F76-BF27-FA2718081C3E}" type="presOf" srcId="{D54FEBD4-5CE3-466C-B2B8-7A7141FAA0FF}" destId="{C7856635-EF94-4BEF-B141-6E899B7C9721}" srcOrd="0" destOrd="0" presId="urn:microsoft.com/office/officeart/2005/8/layout/cycle2"/>
-    <dgm:cxn modelId="{1EB21BDC-55E5-4702-BF21-A5C400E54B4C}" type="presOf" srcId="{AD22F685-D06B-45DC-BDC5-398F752D1098}" destId="{0D378C6C-2846-4ECF-AC55-A84DAB3A909C}" srcOrd="0" destOrd="0" presId="urn:microsoft.com/office/officeart/2005/8/layout/cycle2"/>
+    <dgm:cxn modelId="{5B378634-9202-4F57-B09F-F83C5B3C3947}" srcId="{AD22F685-D06B-45DC-BDC5-398F752D1098}" destId="{D54FEBD4-5CE3-466C-B2B8-7A7141FAA0FF}" srcOrd="1" destOrd="0" parTransId="{941E1AAC-0709-4822-8F41-240FE439924C}" sibTransId="{50D45CA6-E808-420D-8915-298FE61A9182}"/>
     <dgm:cxn modelId="{E608732E-AB82-4FF5-B511-C115F6BEA6CB}" type="presParOf" srcId="{0D378C6C-2846-4ECF-AC55-A84DAB3A909C}" destId="{8EF445EB-486C-498F-AF67-E759E288DE01}" srcOrd="0" destOrd="0" presId="urn:microsoft.com/office/officeart/2005/8/layout/cycle2"/>
     <dgm:cxn modelId="{F056D2D4-3993-48C9-BED5-CEF1B4D75480}" type="presParOf" srcId="{0D378C6C-2846-4ECF-AC55-A84DAB3A909C}" destId="{83E3A70B-1CD2-4983-81A2-89BF59650A56}" srcOrd="1" destOrd="0" presId="urn:microsoft.com/office/officeart/2005/8/layout/cycle2"/>
     <dgm:cxn modelId="{2C7319EE-FA0A-486C-B12F-1507D2F6D37F}" type="presParOf" srcId="{83E3A70B-1CD2-4983-81A2-89BF59650A56}" destId="{46D2BD83-83F4-4744-87B4-11C8F7FC2234}" srcOrd="0" destOrd="0" presId="urn:microsoft.com/office/officeart/2005/8/layout/cycle2"/>
@@ -4417,7 +4613,7 @@
   <dgm:whole/>
   <dgm:extLst>
     <a:ext uri="http://schemas.microsoft.com/office/drawing/2008/diagram">
-      <dsp:dataModelExt xmlns:dsp="http://schemas.microsoft.com/office/drawing/2008/diagram" relId="rId19" minVer="http://schemas.openxmlformats.org/drawingml/2006/diagram"/>
+      <dsp:dataModelExt xmlns:dsp="http://schemas.microsoft.com/office/drawing/2008/diagram" relId="rId18" minVer="http://schemas.openxmlformats.org/drawingml/2006/diagram"/>
     </a:ext>
   </dgm:extLst>
 </dgm:dataModel>
@@ -4632,18 +4828,46 @@
         </dgm:presLayoutVars>
       </dgm:prSet>
       <dgm:spPr/>
+      <dgm:t>
+        <a:bodyPr/>
+        <a:lstStyle/>
+        <a:p>
+          <a:endParaRPr lang="en-US"/>
+        </a:p>
+      </dgm:t>
     </dgm:pt>
     <dgm:pt modelId="{265FFF72-33F1-47EF-AF63-B0B7549E545D}" type="pres">
       <dgm:prSet presAssocID="{21D19B0B-0126-4CD7-B9F5-502AECF3320E}" presName="centerShape" presStyleLbl="node0" presStyleIdx="0" presStyleCnt="1"/>
       <dgm:spPr/>
+      <dgm:t>
+        <a:bodyPr/>
+        <a:lstStyle/>
+        <a:p>
+          <a:endParaRPr lang="en-US"/>
+        </a:p>
+      </dgm:t>
     </dgm:pt>
     <dgm:pt modelId="{57867CBA-6F5A-4434-AE04-25FD24E5B19C}" type="pres">
       <dgm:prSet presAssocID="{FE06C56B-BA36-4F49-A53D-D1BE92ABB0BF}" presName="parTrans" presStyleLbl="sibTrans2D1" presStyleIdx="0" presStyleCnt="4"/>
       <dgm:spPr/>
+      <dgm:t>
+        <a:bodyPr/>
+        <a:lstStyle/>
+        <a:p>
+          <a:endParaRPr lang="en-US"/>
+        </a:p>
+      </dgm:t>
     </dgm:pt>
     <dgm:pt modelId="{952DDB63-FB36-4921-9064-C9556E4CADD7}" type="pres">
       <dgm:prSet presAssocID="{FE06C56B-BA36-4F49-A53D-D1BE92ABB0BF}" presName="connectorText" presStyleLbl="sibTrans2D1" presStyleIdx="0" presStyleCnt="4"/>
       <dgm:spPr/>
+      <dgm:t>
+        <a:bodyPr/>
+        <a:lstStyle/>
+        <a:p>
+          <a:endParaRPr lang="en-US"/>
+        </a:p>
+      </dgm:t>
     </dgm:pt>
     <dgm:pt modelId="{11EB4777-5F12-4B99-90A5-A7A1FAF652D0}" type="pres">
       <dgm:prSet presAssocID="{56E59F54-8040-49E2-BFE8-D30988933C88}" presName="node" presStyleLbl="node1" presStyleIdx="0" presStyleCnt="4">
@@ -4652,14 +4876,35 @@
         </dgm:presLayoutVars>
       </dgm:prSet>
       <dgm:spPr/>
+      <dgm:t>
+        <a:bodyPr/>
+        <a:lstStyle/>
+        <a:p>
+          <a:endParaRPr lang="en-US"/>
+        </a:p>
+      </dgm:t>
     </dgm:pt>
     <dgm:pt modelId="{4F4A9176-046F-461C-8DDC-AA1E64FC724D}" type="pres">
       <dgm:prSet presAssocID="{58A1D6FC-905C-418B-81B9-FC4FB7D170D9}" presName="parTrans" presStyleLbl="sibTrans2D1" presStyleIdx="1" presStyleCnt="4"/>
       <dgm:spPr/>
+      <dgm:t>
+        <a:bodyPr/>
+        <a:lstStyle/>
+        <a:p>
+          <a:endParaRPr lang="en-US"/>
+        </a:p>
+      </dgm:t>
     </dgm:pt>
     <dgm:pt modelId="{64834F6C-0F07-4EFB-B09A-1551A7FB1AE0}" type="pres">
       <dgm:prSet presAssocID="{58A1D6FC-905C-418B-81B9-FC4FB7D170D9}" presName="connectorText" presStyleLbl="sibTrans2D1" presStyleIdx="1" presStyleCnt="4"/>
       <dgm:spPr/>
+      <dgm:t>
+        <a:bodyPr/>
+        <a:lstStyle/>
+        <a:p>
+          <a:endParaRPr lang="en-US"/>
+        </a:p>
+      </dgm:t>
     </dgm:pt>
     <dgm:pt modelId="{18F148E3-E6E8-4E25-A750-009EAB7AC72F}" type="pres">
       <dgm:prSet presAssocID="{F8F16418-DE4D-47E9-8047-BA3DF2ACF20D}" presName="node" presStyleLbl="node1" presStyleIdx="1" presStyleCnt="4">
@@ -4668,14 +4913,35 @@
         </dgm:presLayoutVars>
       </dgm:prSet>
       <dgm:spPr/>
+      <dgm:t>
+        <a:bodyPr/>
+        <a:lstStyle/>
+        <a:p>
+          <a:endParaRPr lang="en-US"/>
+        </a:p>
+      </dgm:t>
     </dgm:pt>
     <dgm:pt modelId="{F024C258-DEE7-4089-AF9D-CB1FE10C30CC}" type="pres">
       <dgm:prSet presAssocID="{C941DB46-A1B0-41DA-90D1-A1C12A596787}" presName="parTrans" presStyleLbl="sibTrans2D1" presStyleIdx="2" presStyleCnt="4"/>
       <dgm:spPr/>
+      <dgm:t>
+        <a:bodyPr/>
+        <a:lstStyle/>
+        <a:p>
+          <a:endParaRPr lang="en-US"/>
+        </a:p>
+      </dgm:t>
     </dgm:pt>
     <dgm:pt modelId="{59480100-EE87-4E15-A8DB-4B31F321C21A}" type="pres">
       <dgm:prSet presAssocID="{C941DB46-A1B0-41DA-90D1-A1C12A596787}" presName="connectorText" presStyleLbl="sibTrans2D1" presStyleIdx="2" presStyleCnt="4"/>
       <dgm:spPr/>
+      <dgm:t>
+        <a:bodyPr/>
+        <a:lstStyle/>
+        <a:p>
+          <a:endParaRPr lang="en-US"/>
+        </a:p>
+      </dgm:t>
     </dgm:pt>
     <dgm:pt modelId="{2349F968-6193-4C42-B515-8A35D1FCE708}" type="pres">
       <dgm:prSet presAssocID="{17042AB6-8EAB-425A-A337-072FF2000D41}" presName="node" presStyleLbl="node1" presStyleIdx="2" presStyleCnt="4">
@@ -4684,14 +4950,35 @@
         </dgm:presLayoutVars>
       </dgm:prSet>
       <dgm:spPr/>
+      <dgm:t>
+        <a:bodyPr/>
+        <a:lstStyle/>
+        <a:p>
+          <a:endParaRPr lang="en-US"/>
+        </a:p>
+      </dgm:t>
     </dgm:pt>
     <dgm:pt modelId="{12C54CCA-AA7F-48D4-B286-AF03F4B3CE0C}" type="pres">
       <dgm:prSet presAssocID="{5355DE8B-53BF-4B66-BA36-2A022ECA43B6}" presName="parTrans" presStyleLbl="sibTrans2D1" presStyleIdx="3" presStyleCnt="4"/>
       <dgm:spPr/>
+      <dgm:t>
+        <a:bodyPr/>
+        <a:lstStyle/>
+        <a:p>
+          <a:endParaRPr lang="en-US"/>
+        </a:p>
+      </dgm:t>
     </dgm:pt>
     <dgm:pt modelId="{DF54E862-D314-4B9E-9987-EC543EC64143}" type="pres">
       <dgm:prSet presAssocID="{5355DE8B-53BF-4B66-BA36-2A022ECA43B6}" presName="connectorText" presStyleLbl="sibTrans2D1" presStyleIdx="3" presStyleCnt="4"/>
       <dgm:spPr/>
+      <dgm:t>
+        <a:bodyPr/>
+        <a:lstStyle/>
+        <a:p>
+          <a:endParaRPr lang="en-US"/>
+        </a:p>
+      </dgm:t>
     </dgm:pt>
     <dgm:pt modelId="{E4EE48B3-ADF0-4673-BE75-115E7A9CA8DD}" type="pres">
       <dgm:prSet presAssocID="{4F542A83-C5C0-4E92-A8D6-488FB92F7343}" presName="node" presStyleLbl="node1" presStyleIdx="3" presStyleCnt="4">
@@ -4717,14 +5004,14 @@
     <dgm:cxn modelId="{2402057D-D006-4F5D-ACFD-05AE23E62ECA}" type="presOf" srcId="{58A1D6FC-905C-418B-81B9-FC4FB7D170D9}" destId="{4F4A9176-046F-461C-8DDC-AA1E64FC724D}" srcOrd="0" destOrd="0" presId="urn:microsoft.com/office/officeart/2005/8/layout/radial5"/>
     <dgm:cxn modelId="{3D01CC88-A020-4D37-93E6-7ED23DDD6426}" type="presOf" srcId="{C941DB46-A1B0-41DA-90D1-A1C12A596787}" destId="{59480100-EE87-4E15-A8DB-4B31F321C21A}" srcOrd="1" destOrd="0" presId="urn:microsoft.com/office/officeart/2005/8/layout/radial5"/>
     <dgm:cxn modelId="{6A3C005C-2EBF-470F-9760-36A6E12BD413}" type="presOf" srcId="{FE06C56B-BA36-4F49-A53D-D1BE92ABB0BF}" destId="{57867CBA-6F5A-4434-AE04-25FD24E5B19C}" srcOrd="0" destOrd="0" presId="urn:microsoft.com/office/officeart/2005/8/layout/radial5"/>
+    <dgm:cxn modelId="{2D8DF6C6-31D1-4F04-9A3F-65B10158A51F}" type="presOf" srcId="{D3AE36ED-CE4B-4C9D-AD58-BA88E7D3A7A3}" destId="{E9CE7361-6214-4C75-AD72-EA6DB533BE2E}" srcOrd="0" destOrd="0" presId="urn:microsoft.com/office/officeart/2005/8/layout/radial5"/>
     <dgm:cxn modelId="{9C843C8E-02C9-467D-BB50-84D0A5C5CFF6}" type="presOf" srcId="{F8F16418-DE4D-47E9-8047-BA3DF2ACF20D}" destId="{18F148E3-E6E8-4E25-A750-009EAB7AC72F}" srcOrd="0" destOrd="0" presId="urn:microsoft.com/office/officeart/2005/8/layout/radial5"/>
-    <dgm:cxn modelId="{2D8DF6C6-31D1-4F04-9A3F-65B10158A51F}" type="presOf" srcId="{D3AE36ED-CE4B-4C9D-AD58-BA88E7D3A7A3}" destId="{E9CE7361-6214-4C75-AD72-EA6DB533BE2E}" srcOrd="0" destOrd="0" presId="urn:microsoft.com/office/officeart/2005/8/layout/radial5"/>
     <dgm:cxn modelId="{B2C3D9F8-D442-4CF9-BC66-701CFDBB8FB6}" type="presOf" srcId="{58A1D6FC-905C-418B-81B9-FC4FB7D170D9}" destId="{64834F6C-0F07-4EFB-B09A-1551A7FB1AE0}" srcOrd="1" destOrd="0" presId="urn:microsoft.com/office/officeart/2005/8/layout/radial5"/>
+    <dgm:cxn modelId="{2862617F-60DC-4BB5-ACFE-4979226CF174}" srcId="{21D19B0B-0126-4CD7-B9F5-502AECF3320E}" destId="{56E59F54-8040-49E2-BFE8-D30988933C88}" srcOrd="0" destOrd="0" parTransId="{FE06C56B-BA36-4F49-A53D-D1BE92ABB0BF}" sibTransId="{18978809-E68D-451F-83DB-C02CF7FCEFCE}"/>
     <dgm:cxn modelId="{3DB0B5E4-628D-4EEB-BEA3-193CC82779D2}" type="presOf" srcId="{C941DB46-A1B0-41DA-90D1-A1C12A596787}" destId="{F024C258-DEE7-4089-AF9D-CB1FE10C30CC}" srcOrd="0" destOrd="0" presId="urn:microsoft.com/office/officeart/2005/8/layout/radial5"/>
-    <dgm:cxn modelId="{2862617F-60DC-4BB5-ACFE-4979226CF174}" srcId="{21D19B0B-0126-4CD7-B9F5-502AECF3320E}" destId="{56E59F54-8040-49E2-BFE8-D30988933C88}" srcOrd="0" destOrd="0" parTransId="{FE06C56B-BA36-4F49-A53D-D1BE92ABB0BF}" sibTransId="{18978809-E68D-451F-83DB-C02CF7FCEFCE}"/>
     <dgm:cxn modelId="{9A890BE2-644F-4445-BE13-11DCC1C2E1B7}" type="presOf" srcId="{56E59F54-8040-49E2-BFE8-D30988933C88}" destId="{11EB4777-5F12-4B99-90A5-A7A1FAF652D0}" srcOrd="0" destOrd="0" presId="urn:microsoft.com/office/officeart/2005/8/layout/radial5"/>
+    <dgm:cxn modelId="{F695FE26-73F8-4C0F-8991-BB831201F63C}" type="presOf" srcId="{4F542A83-C5C0-4E92-A8D6-488FB92F7343}" destId="{E4EE48B3-ADF0-4673-BE75-115E7A9CA8DD}" srcOrd="0" destOrd="0" presId="urn:microsoft.com/office/officeart/2005/8/layout/radial5"/>
     <dgm:cxn modelId="{28F71AC7-7727-447B-B255-D6DFD6F799B6}" type="presOf" srcId="{5355DE8B-53BF-4B66-BA36-2A022ECA43B6}" destId="{12C54CCA-AA7F-48D4-B286-AF03F4B3CE0C}" srcOrd="0" destOrd="0" presId="urn:microsoft.com/office/officeart/2005/8/layout/radial5"/>
-    <dgm:cxn modelId="{F695FE26-73F8-4C0F-8991-BB831201F63C}" type="presOf" srcId="{4F542A83-C5C0-4E92-A8D6-488FB92F7343}" destId="{E4EE48B3-ADF0-4673-BE75-115E7A9CA8DD}" srcOrd="0" destOrd="0" presId="urn:microsoft.com/office/officeart/2005/8/layout/radial5"/>
     <dgm:cxn modelId="{47AA9708-6751-4456-9C2E-C9A94DB7BDF1}" type="presOf" srcId="{5355DE8B-53BF-4B66-BA36-2A022ECA43B6}" destId="{DF54E862-D314-4B9E-9987-EC543EC64143}" srcOrd="1" destOrd="0" presId="urn:microsoft.com/office/officeart/2005/8/layout/radial5"/>
     <dgm:cxn modelId="{A634F757-ACCB-49E8-AE27-28CC4F8425FC}" srcId="{21D19B0B-0126-4CD7-B9F5-502AECF3320E}" destId="{17042AB6-8EAB-425A-A337-072FF2000D41}" srcOrd="2" destOrd="0" parTransId="{C941DB46-A1B0-41DA-90D1-A1C12A596787}" sibTransId="{6F9A0B20-088B-4743-B9D6-F1B1339F2E2C}"/>
     <dgm:cxn modelId="{26276EC2-D864-42AC-86EB-5BBC2B827472}" type="presOf" srcId="{17042AB6-8EAB-425A-A337-072FF2000D41}" destId="{2349F968-6193-4C42-B515-8A35D1FCE708}" srcOrd="0" destOrd="0" presId="urn:microsoft.com/office/officeart/2005/8/layout/radial5"/>
@@ -4747,7 +5034,7 @@
   <dgm:whole/>
   <dgm:extLst>
     <a:ext uri="http://schemas.microsoft.com/office/drawing/2008/diagram">
-      <dsp:dataModelExt xmlns:dsp="http://schemas.microsoft.com/office/drawing/2008/diagram" relId="rId24" minVer="http://schemas.openxmlformats.org/drawingml/2006/diagram"/>
+      <dsp:dataModelExt xmlns:dsp="http://schemas.microsoft.com/office/drawing/2008/diagram" relId="rId23" minVer="http://schemas.openxmlformats.org/drawingml/2006/diagram"/>
     </a:ext>
   </dgm:extLst>
 </dgm:dataModel>
@@ -13237,7 +13524,7 @@
           <a:p>
             <a:fld id="{D7F481C5-31F3-49DE-8EFC-FEAAB7356B04}" type="datetimeFigureOut">
               <a:rPr lang="en-US" smtClean="0"/>
-              <a:t>3/22/2015</a:t>
+              <a:t>5/29/2015</a:t>
             </a:fld>
             <a:endParaRPr lang="en-US"/>
           </a:p>
@@ -13776,7 +14063,7 @@
             <a:fld id="{1D8BD707-D9CF-40AE-B4C6-C98DA3205C09}" type="datetimeFigureOut">
               <a:rPr lang="en-US" smtClean="0"/>
               <a:pPr/>
-              <a:t>3/22/2015</a:t>
+              <a:t>5/29/2015</a:t>
             </a:fld>
             <a:endParaRPr lang="en-US"/>
           </a:p>
@@ -13943,7 +14230,7 @@
             <a:fld id="{1D8BD707-D9CF-40AE-B4C6-C98DA3205C09}" type="datetimeFigureOut">
               <a:rPr lang="en-US" smtClean="0"/>
               <a:pPr/>
-              <a:t>3/22/2015</a:t>
+              <a:t>5/29/2015</a:t>
             </a:fld>
             <a:endParaRPr lang="en-US"/>
           </a:p>
@@ -14120,7 +14407,7 @@
             <a:fld id="{1D8BD707-D9CF-40AE-B4C6-C98DA3205C09}" type="datetimeFigureOut">
               <a:rPr lang="en-US" smtClean="0"/>
               <a:pPr/>
-              <a:t>3/22/2015</a:t>
+              <a:t>5/29/2015</a:t>
             </a:fld>
             <a:endParaRPr lang="en-US"/>
           </a:p>
@@ -14287,7 +14574,7 @@
             <a:fld id="{1D8BD707-D9CF-40AE-B4C6-C98DA3205C09}" type="datetimeFigureOut">
               <a:rPr lang="en-US" smtClean="0"/>
               <a:pPr/>
-              <a:t>3/22/2015</a:t>
+              <a:t>5/29/2015</a:t>
             </a:fld>
             <a:endParaRPr lang="en-US"/>
           </a:p>
@@ -14530,7 +14817,7 @@
             <a:fld id="{1D8BD707-D9CF-40AE-B4C6-C98DA3205C09}" type="datetimeFigureOut">
               <a:rPr lang="en-US" smtClean="0"/>
               <a:pPr/>
-              <a:t>3/22/2015</a:t>
+              <a:t>5/29/2015</a:t>
             </a:fld>
             <a:endParaRPr lang="en-US"/>
           </a:p>
@@ -14815,7 +15102,7 @@
             <a:fld id="{1D8BD707-D9CF-40AE-B4C6-C98DA3205C09}" type="datetimeFigureOut">
               <a:rPr lang="en-US" smtClean="0"/>
               <a:pPr/>
-              <a:t>3/22/2015</a:t>
+              <a:t>5/29/2015</a:t>
             </a:fld>
             <a:endParaRPr lang="en-US"/>
           </a:p>
@@ -15234,7 +15521,7 @@
             <a:fld id="{1D8BD707-D9CF-40AE-B4C6-C98DA3205C09}" type="datetimeFigureOut">
               <a:rPr lang="en-US" smtClean="0"/>
               <a:pPr/>
-              <a:t>3/22/2015</a:t>
+              <a:t>5/29/2015</a:t>
             </a:fld>
             <a:endParaRPr lang="en-US"/>
           </a:p>
@@ -15349,7 +15636,7 @@
             <a:fld id="{1D8BD707-D9CF-40AE-B4C6-C98DA3205C09}" type="datetimeFigureOut">
               <a:rPr lang="en-US" smtClean="0"/>
               <a:pPr/>
-              <a:t>3/22/2015</a:t>
+              <a:t>5/29/2015</a:t>
             </a:fld>
             <a:endParaRPr lang="en-US"/>
           </a:p>
@@ -15441,7 +15728,7 @@
             <a:fld id="{1D8BD707-D9CF-40AE-B4C6-C98DA3205C09}" type="datetimeFigureOut">
               <a:rPr lang="en-US" smtClean="0"/>
               <a:pPr/>
-              <a:t>3/22/2015</a:t>
+              <a:t>5/29/2015</a:t>
             </a:fld>
             <a:endParaRPr lang="en-US"/>
           </a:p>
@@ -15715,7 +16002,7 @@
             <a:fld id="{1D8BD707-D9CF-40AE-B4C6-C98DA3205C09}" type="datetimeFigureOut">
               <a:rPr lang="en-US" smtClean="0"/>
               <a:pPr/>
-              <a:t>3/22/2015</a:t>
+              <a:t>5/29/2015</a:t>
             </a:fld>
             <a:endParaRPr lang="en-US"/>
           </a:p>
@@ -15965,7 +16252,7 @@
             <a:fld id="{1D8BD707-D9CF-40AE-B4C6-C98DA3205C09}" type="datetimeFigureOut">
               <a:rPr lang="en-US" smtClean="0"/>
               <a:pPr/>
-              <a:t>3/22/2015</a:t>
+              <a:t>5/29/2015</a:t>
             </a:fld>
             <a:endParaRPr lang="en-US"/>
           </a:p>
@@ -16175,7 +16462,7 @@
             <a:fld id="{1D8BD707-D9CF-40AE-B4C6-C98DA3205C09}" type="datetimeFigureOut">
               <a:rPr lang="en-US" smtClean="0"/>
               <a:pPr/>
-              <a:t>3/22/2015</a:t>
+              <a:t>5/29/2015</a:t>
             </a:fld>
             <a:endParaRPr lang="en-US"/>
           </a:p>
@@ -16548,47 +16835,6 @@
       </p:grpSpPr>
       <p:pic>
         <p:nvPicPr>
-          <p:cNvPr id="1035" name="Picture 11" descr="C:\Users\chaki\AppData\Local\Microsoft\Windows\Temporary Internet Files\Content.IE5\WA5P9HU0\image[4][1].png"/>
-          <p:cNvPicPr>
-            <a:picLocks noChangeAspect="1" noChangeArrowheads="1"/>
-          </p:cNvPicPr>
-          <p:nvPr/>
-        </p:nvPicPr>
-        <p:blipFill>
-          <a:blip r:embed="rId3">
-            <a:extLst>
-              <a:ext uri="{28A0092B-C50C-407E-A947-70E740481C1C}">
-                <a14:useLocalDpi xmlns:a14="http://schemas.microsoft.com/office/drawing/2010/main" val="0"/>
-              </a:ext>
-            </a:extLst>
-          </a:blip>
-          <a:srcRect/>
-          <a:stretch>
-            <a:fillRect/>
-          </a:stretch>
-        </p:blipFill>
-        <p:spPr bwMode="auto">
-          <a:xfrm>
-            <a:off x="3832679" y="5168899"/>
-            <a:ext cx="2110922" cy="1212779"/>
-          </a:xfrm>
-          <a:prstGeom prst="rect">
-            <a:avLst/>
-          </a:prstGeom>
-          <a:noFill/>
-          <a:extLst>
-            <a:ext uri="{909E8E84-426E-40DD-AFC4-6F175D3DCCD1}">
-              <a14:hiddenFill xmlns:a14="http://schemas.microsoft.com/office/drawing/2010/main">
-                <a:solidFill>
-                  <a:srgbClr val="FFFFFF"/>
-                </a:solidFill>
-              </a14:hiddenFill>
-            </a:ext>
-          </a:extLst>
-        </p:spPr>
-      </p:pic>
-      <p:pic>
-        <p:nvPicPr>
           <p:cNvPr id="1028" name="Picture 4" descr="C:\Users\chaki\AppData\Local\Microsoft\Windows\Temporary Internet Files\Content.IE5\WA5P9HU0\jet-plane[1].gif"/>
           <p:cNvPicPr>
             <a:picLocks noChangeAspect="1" noChangeArrowheads="1"/>
@@ -16596,7 +16842,7 @@
           <p:nvPr/>
         </p:nvPicPr>
         <p:blipFill>
-          <a:blip r:embed="rId4" cstate="print">
+          <a:blip r:embed="rId3" cstate="print">
             <a:extLst>
               <a:ext uri="{28A0092B-C50C-407E-A947-70E740481C1C}">
                 <a14:useLocalDpi xmlns:a14="http://schemas.microsoft.com/office/drawing/2010/main" val="0"/>
@@ -16646,7 +16892,7 @@
         </p:xfrm>
         <a:graphic>
           <a:graphicData uri="http://schemas.openxmlformats.org/drawingml/2006/diagram">
-            <dgm:relIds xmlns:dgm="http://schemas.openxmlformats.org/drawingml/2006/diagram" xmlns:r="http://schemas.openxmlformats.org/officeDocument/2006/relationships" r:dm="rId5" r:lo="rId6" r:qs="rId7" r:cs="rId8"/>
+            <dgm:relIds xmlns:dgm="http://schemas.openxmlformats.org/drawingml/2006/diagram" xmlns:r="http://schemas.openxmlformats.org/officeDocument/2006/relationships" r:dm="rId4" r:lo="rId5" r:qs="rId6" r:cs="rId7"/>
           </a:graphicData>
         </a:graphic>
       </p:graphicFrame>
@@ -16668,7 +16914,7 @@
         </p:xfrm>
         <a:graphic>
           <a:graphicData uri="http://schemas.openxmlformats.org/drawingml/2006/diagram">
-            <dgm:relIds xmlns:dgm="http://schemas.openxmlformats.org/drawingml/2006/diagram" xmlns:r="http://schemas.openxmlformats.org/officeDocument/2006/relationships" r:dm="rId10" r:lo="rId11" r:qs="rId12" r:cs="rId13"/>
+            <dgm:relIds xmlns:dgm="http://schemas.openxmlformats.org/drawingml/2006/diagram" xmlns:r="http://schemas.openxmlformats.org/officeDocument/2006/relationships" r:dm="rId9" r:lo="rId10" r:qs="rId11" r:cs="rId12"/>
           </a:graphicData>
         </a:graphic>
       </p:graphicFrame>
@@ -16690,7 +16936,7 @@
         </p:xfrm>
         <a:graphic>
           <a:graphicData uri="http://schemas.openxmlformats.org/drawingml/2006/diagram">
-            <dgm:relIds xmlns:dgm="http://schemas.openxmlformats.org/drawingml/2006/diagram" xmlns:r="http://schemas.openxmlformats.org/officeDocument/2006/relationships" r:dm="rId15" r:lo="rId16" r:qs="rId17" r:cs="rId18"/>
+            <dgm:relIds xmlns:dgm="http://schemas.openxmlformats.org/drawingml/2006/diagram" xmlns:r="http://schemas.openxmlformats.org/officeDocument/2006/relationships" r:dm="rId14" r:lo="rId15" r:qs="rId16" r:cs="rId17"/>
           </a:graphicData>
         </a:graphic>
       </p:graphicFrame>
@@ -16712,7 +16958,7 @@
         </p:xfrm>
         <a:graphic>
           <a:graphicData uri="http://schemas.openxmlformats.org/drawingml/2006/diagram">
-            <dgm:relIds xmlns:dgm="http://schemas.openxmlformats.org/drawingml/2006/diagram" xmlns:r="http://schemas.openxmlformats.org/officeDocument/2006/relationships" r:dm="rId20" r:lo="rId21" r:qs="rId22" r:cs="rId23"/>
+            <dgm:relIds xmlns:dgm="http://schemas.openxmlformats.org/drawingml/2006/diagram" xmlns:r="http://schemas.openxmlformats.org/officeDocument/2006/relationships" r:dm="rId19" r:lo="rId20" r:qs="rId21" r:cs="rId22"/>
           </a:graphicData>
         </a:graphic>
       </p:graphicFrame>
@@ -16925,7 +17171,7 @@
           <p:nvPr/>
         </p:nvPicPr>
         <p:blipFill>
-          <a:blip r:embed="rId25" cstate="print">
+          <a:blip r:embed="rId24" cstate="print">
             <a:extLst>
               <a:ext uri="{28A0092B-C50C-407E-A947-70E740481C1C}">
                 <a14:useLocalDpi xmlns:a14="http://schemas.microsoft.com/office/drawing/2010/main" val="0"/>
@@ -16966,7 +17212,7 @@
           <p:nvPr/>
         </p:nvPicPr>
         <p:blipFill>
-          <a:blip r:embed="rId26">
+          <a:blip r:embed="rId25">
             <a:extLst>
               <a:ext uri="{28A0092B-C50C-407E-A947-70E740481C1C}">
                 <a14:useLocalDpi xmlns:a14="http://schemas.microsoft.com/office/drawing/2010/main" val="0"/>
@@ -17184,6 +17430,111 @@
                     <a:alpha val="65000"/>
                   </a:srgbClr>
                 </a:outerShdw>
+              </a:effectLst>
+            </a:endParaRPr>
+          </a:p>
+        </p:txBody>
+      </p:sp>
+      <p:sp>
+        <p:nvSpPr>
+          <p:cNvPr id="6" name="Rectangle 5"/>
+          <p:cNvSpPr/>
+          <p:nvPr/>
+        </p:nvSpPr>
+        <p:spPr>
+          <a:xfrm>
+            <a:off x="3879568" y="5246241"/>
+            <a:ext cx="2075572" cy="1077218"/>
+          </a:xfrm>
+          <a:prstGeom prst="rect">
+            <a:avLst/>
+          </a:prstGeom>
+          <a:noFill/>
+        </p:spPr>
+        <p:txBody>
+          <a:bodyPr wrap="square" lIns="91440" tIns="45720" rIns="91440" bIns="45720">
+            <a:spAutoFit/>
+          </a:bodyPr>
+          <a:lstStyle/>
+          <a:p>
+            <a:pPr algn="ctr"/>
+            <a:r>
+              <a:rPr lang="en-US" sz="3200" b="1" spc="300" dirty="0" smtClean="0">
+                <a:ln w="11430" cmpd="sng">
+                  <a:solidFill>
+                    <a:schemeClr val="accent1">
+                      <a:tint val="10000"/>
+                    </a:schemeClr>
+                  </a:solidFill>
+                  <a:prstDash val="solid"/>
+                  <a:miter lim="800000"/>
+                </a:ln>
+                <a:gradFill>
+                  <a:gsLst>
+                    <a:gs pos="10000">
+                      <a:schemeClr val="accent1">
+                        <a:tint val="83000"/>
+                        <a:shade val="100000"/>
+                        <a:satMod val="200000"/>
+                      </a:schemeClr>
+                    </a:gs>
+                    <a:gs pos="75000">
+                      <a:schemeClr val="accent1">
+                        <a:tint val="100000"/>
+                        <a:shade val="50000"/>
+                        <a:satMod val="150000"/>
+                      </a:schemeClr>
+                    </a:gs>
+                  </a:gsLst>
+                  <a:lin ang="5400000"/>
+                </a:gradFill>
+                <a:effectLst>
+                  <a:glow rad="45500">
+                    <a:schemeClr val="accent1">
+                      <a:satMod val="220000"/>
+                      <a:alpha val="35000"/>
+                    </a:schemeClr>
+                  </a:glow>
+                </a:effectLst>
+              </a:rPr>
+              <a:t>Medical Devices</a:t>
+            </a:r>
+            <a:endParaRPr lang="en-US" sz="3200" b="1" spc="300" dirty="0">
+              <a:ln w="11430" cmpd="sng">
+                <a:solidFill>
+                  <a:schemeClr val="accent1">
+                    <a:tint val="10000"/>
+                  </a:schemeClr>
+                </a:solidFill>
+                <a:prstDash val="solid"/>
+                <a:miter lim="800000"/>
+              </a:ln>
+              <a:gradFill>
+                <a:gsLst>
+                  <a:gs pos="10000">
+                    <a:schemeClr val="accent1">
+                      <a:tint val="83000"/>
+                      <a:shade val="100000"/>
+                      <a:satMod val="200000"/>
+                    </a:schemeClr>
+                  </a:gs>
+                  <a:gs pos="75000">
+                    <a:schemeClr val="accent1">
+                      <a:tint val="100000"/>
+                      <a:shade val="50000"/>
+                      <a:satMod val="150000"/>
+                    </a:schemeClr>
+                  </a:gs>
+                </a:gsLst>
+                <a:lin ang="5400000"/>
+              </a:gradFill>
+              <a:effectLst>
+                <a:glow rad="45500">
+                  <a:schemeClr val="accent1">
+                    <a:satMod val="220000"/>
+                    <a:alpha val="35000"/>
+                  </a:schemeClr>
+                </a:glow>
               </a:effectLst>
             </a:endParaRPr>
           </a:p>
